--- a/02.서머너즈워 도감 시스템 역기획서/도감 이미지 꾸미기.pptx
+++ b/02.서머너즈워 도감 시스템 역기획서/도감 이미지 꾸미기.pptx
@@ -271,7 +271,7 @@
           <a:p>
             <a:fld id="{8F691C0F-0FCE-4699-B4BC-411214CED94D}" type="datetimeFigureOut">
               <a:rPr lang="ko-KR" altLang="en-US" smtClean="0"/>
-              <a:t>2023-02-20</a:t>
+              <a:t>2023-02-21</a:t>
             </a:fld>
             <a:endParaRPr lang="ko-KR" altLang="en-US"/>
           </a:p>
@@ -469,7 +469,7 @@
           <a:p>
             <a:fld id="{8F691C0F-0FCE-4699-B4BC-411214CED94D}" type="datetimeFigureOut">
               <a:rPr lang="ko-KR" altLang="en-US" smtClean="0"/>
-              <a:t>2023-02-20</a:t>
+              <a:t>2023-02-21</a:t>
             </a:fld>
             <a:endParaRPr lang="ko-KR" altLang="en-US"/>
           </a:p>
@@ -677,7 +677,7 @@
           <a:p>
             <a:fld id="{8F691C0F-0FCE-4699-B4BC-411214CED94D}" type="datetimeFigureOut">
               <a:rPr lang="ko-KR" altLang="en-US" smtClean="0"/>
-              <a:t>2023-02-20</a:t>
+              <a:t>2023-02-21</a:t>
             </a:fld>
             <a:endParaRPr lang="ko-KR" altLang="en-US"/>
           </a:p>
@@ -875,7 +875,7 @@
           <a:p>
             <a:fld id="{8F691C0F-0FCE-4699-B4BC-411214CED94D}" type="datetimeFigureOut">
               <a:rPr lang="ko-KR" altLang="en-US" smtClean="0"/>
-              <a:t>2023-02-20</a:t>
+              <a:t>2023-02-21</a:t>
             </a:fld>
             <a:endParaRPr lang="ko-KR" altLang="en-US"/>
           </a:p>
@@ -1150,7 +1150,7 @@
           <a:p>
             <a:fld id="{8F691C0F-0FCE-4699-B4BC-411214CED94D}" type="datetimeFigureOut">
               <a:rPr lang="ko-KR" altLang="en-US" smtClean="0"/>
-              <a:t>2023-02-20</a:t>
+              <a:t>2023-02-21</a:t>
             </a:fld>
             <a:endParaRPr lang="ko-KR" altLang="en-US"/>
           </a:p>
@@ -1415,7 +1415,7 @@
           <a:p>
             <a:fld id="{8F691C0F-0FCE-4699-B4BC-411214CED94D}" type="datetimeFigureOut">
               <a:rPr lang="ko-KR" altLang="en-US" smtClean="0"/>
-              <a:t>2023-02-20</a:t>
+              <a:t>2023-02-21</a:t>
             </a:fld>
             <a:endParaRPr lang="ko-KR" altLang="en-US"/>
           </a:p>
@@ -1827,7 +1827,7 @@
           <a:p>
             <a:fld id="{8F691C0F-0FCE-4699-B4BC-411214CED94D}" type="datetimeFigureOut">
               <a:rPr lang="ko-KR" altLang="en-US" smtClean="0"/>
-              <a:t>2023-02-20</a:t>
+              <a:t>2023-02-21</a:t>
             </a:fld>
             <a:endParaRPr lang="ko-KR" altLang="en-US"/>
           </a:p>
@@ -1968,7 +1968,7 @@
           <a:p>
             <a:fld id="{8F691C0F-0FCE-4699-B4BC-411214CED94D}" type="datetimeFigureOut">
               <a:rPr lang="ko-KR" altLang="en-US" smtClean="0"/>
-              <a:t>2023-02-20</a:t>
+              <a:t>2023-02-21</a:t>
             </a:fld>
             <a:endParaRPr lang="ko-KR" altLang="en-US"/>
           </a:p>
@@ -2081,7 +2081,7 @@
           <a:p>
             <a:fld id="{8F691C0F-0FCE-4699-B4BC-411214CED94D}" type="datetimeFigureOut">
               <a:rPr lang="ko-KR" altLang="en-US" smtClean="0"/>
-              <a:t>2023-02-20</a:t>
+              <a:t>2023-02-21</a:t>
             </a:fld>
             <a:endParaRPr lang="ko-KR" altLang="en-US"/>
           </a:p>
@@ -2392,7 +2392,7 @@
           <a:p>
             <a:fld id="{8F691C0F-0FCE-4699-B4BC-411214CED94D}" type="datetimeFigureOut">
               <a:rPr lang="ko-KR" altLang="en-US" smtClean="0"/>
-              <a:t>2023-02-20</a:t>
+              <a:t>2023-02-21</a:t>
             </a:fld>
             <a:endParaRPr lang="ko-KR" altLang="en-US"/>
           </a:p>
@@ -2680,7 +2680,7 @@
           <a:p>
             <a:fld id="{8F691C0F-0FCE-4699-B4BC-411214CED94D}" type="datetimeFigureOut">
               <a:rPr lang="ko-KR" altLang="en-US" smtClean="0"/>
-              <a:t>2023-02-20</a:t>
+              <a:t>2023-02-21</a:t>
             </a:fld>
             <a:endParaRPr lang="ko-KR" altLang="en-US"/>
           </a:p>
@@ -2921,7 +2921,7 @@
           <a:p>
             <a:fld id="{8F691C0F-0FCE-4699-B4BC-411214CED94D}" type="datetimeFigureOut">
               <a:rPr lang="ko-KR" altLang="en-US" smtClean="0"/>
-              <a:t>2023-02-20</a:t>
+              <a:t>2023-02-21</a:t>
             </a:fld>
             <a:endParaRPr lang="ko-KR" altLang="en-US"/>
           </a:p>
